--- a/Model Interpretation.pptx
+++ b/Model Interpretation.pptx
@@ -106,6 +106,11 @@
       </a:defRPr>
     </a:lvl9pPr>
   </p:defaultTextStyle>
+  <p:extLst>
+    <p:ext uri="{EFAFB233-063F-42B5-8137-9DF3F51BA10A}">
+      <p15:sldGuideLst xmlns:p15="http://schemas.microsoft.com/office/powerpoint/2012/main"/>
+    </p:ext>
+  </p:extLst>
 </p:presentation>
 </file>
 
@@ -4803,118 +4808,6 @@
           </a:p>
         </p:txBody>
       </p:sp>
-      <p:sp>
-        <p:nvSpPr>
-          <p:cNvPr id="13" name="Oval 12">
-            <a:extLst>
-              <a:ext uri="{FF2B5EF4-FFF2-40B4-BE49-F238E27FC236}">
-                <a16:creationId xmlns:a16="http://schemas.microsoft.com/office/drawing/2014/main" id="{F2122B13-B74B-1947-A7CD-4E5280E8DEBA}"/>
-              </a:ext>
-            </a:extLst>
-          </p:cNvPr>
-          <p:cNvSpPr/>
-          <p:nvPr/>
-        </p:nvSpPr>
-        <p:spPr>
-          <a:xfrm>
-            <a:off x="6595835" y="3513235"/>
-            <a:ext cx="1367758" cy="487284"/>
-          </a:xfrm>
-          <a:prstGeom prst="ellipse">
-            <a:avLst/>
-          </a:prstGeom>
-          <a:solidFill>
-            <a:schemeClr val="bg1">
-              <a:alpha val="0"/>
-            </a:schemeClr>
-          </a:solidFill>
-          <a:ln>
-            <a:solidFill>
-              <a:schemeClr val="tx1"/>
-            </a:solidFill>
-          </a:ln>
-        </p:spPr>
-        <p:style>
-          <a:lnRef idx="2">
-            <a:schemeClr val="accent1">
-              <a:shade val="50000"/>
-            </a:schemeClr>
-          </a:lnRef>
-          <a:fillRef idx="1">
-            <a:schemeClr val="accent1"/>
-          </a:fillRef>
-          <a:effectRef idx="0">
-            <a:schemeClr val="accent1"/>
-          </a:effectRef>
-          <a:fontRef idx="minor">
-            <a:schemeClr val="lt1"/>
-          </a:fontRef>
-        </p:style>
-        <p:txBody>
-          <a:bodyPr rtlCol="0" anchor="ctr"/>
-          <a:lstStyle/>
-          <a:p>
-            <a:pPr algn="ctr"/>
-            <a:endParaRPr lang="en-US"/>
-          </a:p>
-        </p:txBody>
-      </p:sp>
-      <p:sp>
-        <p:nvSpPr>
-          <p:cNvPr id="14" name="Oval 13">
-            <a:extLst>
-              <a:ext uri="{FF2B5EF4-FFF2-40B4-BE49-F238E27FC236}">
-                <a16:creationId xmlns:a16="http://schemas.microsoft.com/office/drawing/2014/main" id="{91DA914C-9B30-E843-932B-1986C72BBFF0}"/>
-              </a:ext>
-            </a:extLst>
-          </p:cNvPr>
-          <p:cNvSpPr/>
-          <p:nvPr/>
-        </p:nvSpPr>
-        <p:spPr>
-          <a:xfrm>
-            <a:off x="10347646" y="5751886"/>
-            <a:ext cx="1367758" cy="487284"/>
-          </a:xfrm>
-          <a:prstGeom prst="ellipse">
-            <a:avLst/>
-          </a:prstGeom>
-          <a:solidFill>
-            <a:schemeClr val="bg1">
-              <a:alpha val="0"/>
-            </a:schemeClr>
-          </a:solidFill>
-          <a:ln>
-            <a:solidFill>
-              <a:schemeClr val="tx1"/>
-            </a:solidFill>
-          </a:ln>
-        </p:spPr>
-        <p:style>
-          <a:lnRef idx="2">
-            <a:schemeClr val="accent1">
-              <a:shade val="50000"/>
-            </a:schemeClr>
-          </a:lnRef>
-          <a:fillRef idx="1">
-            <a:schemeClr val="accent1"/>
-          </a:fillRef>
-          <a:effectRef idx="0">
-            <a:schemeClr val="accent1"/>
-          </a:effectRef>
-          <a:fontRef idx="minor">
-            <a:schemeClr val="lt1"/>
-          </a:fontRef>
-        </p:style>
-        <p:txBody>
-          <a:bodyPr rtlCol="0" anchor="ctr"/>
-          <a:lstStyle/>
-          <a:p>
-            <a:pPr algn="ctr"/>
-            <a:endParaRPr lang="en-US"/>
-          </a:p>
-        </p:txBody>
-      </p:sp>
     </p:spTree>
     <p:extLst>
       <p:ext uri="{BB962C8B-B14F-4D97-AF65-F5344CB8AC3E}">
@@ -5149,234 +5042,20 @@
       </p:sp>
       <p:sp>
         <p:nvSpPr>
-          <p:cNvPr id="15" name="Textfeld 14">
-            <a:extLst>
-              <a:ext uri="{FF2B5EF4-FFF2-40B4-BE49-F238E27FC236}">
-                <a16:creationId xmlns:a16="http://schemas.microsoft.com/office/drawing/2014/main" id="{FCF00140-7AD1-744C-ACE5-BF4F77D88838}"/>
-              </a:ext>
-            </a:extLst>
-          </p:cNvPr>
-          <p:cNvSpPr txBox="1"/>
+          <p:cNvPr id="19" name="Abgerundetes Rechteck 18">
+            <a:extLst>
+              <a:ext uri="{FF2B5EF4-FFF2-40B4-BE49-F238E27FC236}">
+                <a16:creationId xmlns:a16="http://schemas.microsoft.com/office/drawing/2014/main" id="{A574D459-0973-374E-AB71-1A15CA06D0A8}"/>
+              </a:ext>
+            </a:extLst>
+          </p:cNvPr>
+          <p:cNvSpPr/>
           <p:nvPr/>
         </p:nvSpPr>
         <p:spPr>
           <a:xfrm>
-            <a:off x="1567542" y="2118334"/>
-            <a:ext cx="2562330" cy="369332"/>
-          </a:xfrm>
-          <a:prstGeom prst="rect">
-            <a:avLst/>
-          </a:prstGeom>
-          <a:noFill/>
-        </p:spPr>
-        <p:txBody>
-          <a:bodyPr wrap="square" rtlCol="0">
-            <a:spAutoFit/>
-          </a:bodyPr>
-          <a:lstStyle/>
-          <a:p>
-            <a:r>
-              <a:rPr lang="en-US" dirty="0"/>
-              <a:t>Best Recall we got: XX %</a:t>
-            </a:r>
-          </a:p>
-        </p:txBody>
-      </p:sp>
-      <p:sp>
-        <p:nvSpPr>
-          <p:cNvPr id="16" name="Textfeld 15">
-            <a:extLst>
-              <a:ext uri="{FF2B5EF4-FFF2-40B4-BE49-F238E27FC236}">
-                <a16:creationId xmlns:a16="http://schemas.microsoft.com/office/drawing/2014/main" id="{6AA8633B-D129-B54F-A88B-1575841ED121}"/>
-              </a:ext>
-            </a:extLst>
-          </p:cNvPr>
-          <p:cNvSpPr txBox="1"/>
-          <p:nvPr/>
-        </p:nvSpPr>
-        <p:spPr>
-          <a:xfrm>
-            <a:off x="7177873" y="2118334"/>
-            <a:ext cx="2851999" cy="369332"/>
-          </a:xfrm>
-          <a:prstGeom prst="rect">
-            <a:avLst/>
-          </a:prstGeom>
-          <a:noFill/>
-        </p:spPr>
-        <p:txBody>
-          <a:bodyPr wrap="square" rtlCol="0">
-            <a:spAutoFit/>
-          </a:bodyPr>
-          <a:lstStyle/>
-          <a:p>
-            <a:r>
-              <a:rPr lang="en-US" dirty="0"/>
-              <a:t>Best Precision we got: XX %</a:t>
-            </a:r>
-          </a:p>
-        </p:txBody>
-      </p:sp>
-      <p:sp>
-        <p:nvSpPr>
-          <p:cNvPr id="6" name="Abgerundetes Rechteck 5">
-            <a:extLst>
-              <a:ext uri="{FF2B5EF4-FFF2-40B4-BE49-F238E27FC236}">
-                <a16:creationId xmlns:a16="http://schemas.microsoft.com/office/drawing/2014/main" id="{69B21749-E548-9A4B-9238-CDDA82D1BD4E}"/>
-              </a:ext>
-            </a:extLst>
-          </p:cNvPr>
-          <p:cNvSpPr/>
-          <p:nvPr/>
-        </p:nvSpPr>
-        <p:spPr>
-          <a:xfrm>
-            <a:off x="1567542" y="2682855"/>
-            <a:ext cx="3446585" cy="1346479"/>
-          </a:xfrm>
-          <a:prstGeom prst="roundRect">
-            <a:avLst/>
-          </a:prstGeom>
-        </p:spPr>
-        <p:style>
-          <a:lnRef idx="2">
-            <a:schemeClr val="accent1">
-              <a:shade val="50000"/>
-            </a:schemeClr>
-          </a:lnRef>
-          <a:fillRef idx="1">
-            <a:schemeClr val="accent1"/>
-          </a:fillRef>
-          <a:effectRef idx="0">
-            <a:schemeClr val="accent1"/>
-          </a:effectRef>
-          <a:fontRef idx="minor">
-            <a:schemeClr val="lt1"/>
-          </a:fontRef>
-        </p:style>
-        <p:txBody>
-          <a:bodyPr rtlCol="0" anchor="ctr"/>
-          <a:lstStyle/>
-          <a:p>
-            <a:pPr algn="ctr"/>
-            <a:r>
-              <a:rPr lang="en-US" dirty="0"/>
-              <a:t>Final Confusion Matrix 1</a:t>
-            </a:r>
-          </a:p>
-        </p:txBody>
-      </p:sp>
-      <p:sp>
-        <p:nvSpPr>
-          <p:cNvPr id="17" name="Abgerundetes Rechteck 16">
-            <a:extLst>
-              <a:ext uri="{FF2B5EF4-FFF2-40B4-BE49-F238E27FC236}">
-                <a16:creationId xmlns:a16="http://schemas.microsoft.com/office/drawing/2014/main" id="{D28B47AC-C118-9A46-8CA6-21DB357C7DE3}"/>
-              </a:ext>
-            </a:extLst>
-          </p:cNvPr>
-          <p:cNvSpPr/>
-          <p:nvPr/>
-        </p:nvSpPr>
-        <p:spPr>
-          <a:xfrm>
-            <a:off x="7177873" y="2682855"/>
-            <a:ext cx="3446585" cy="1346479"/>
-          </a:xfrm>
-          <a:prstGeom prst="roundRect">
-            <a:avLst/>
-          </a:prstGeom>
-        </p:spPr>
-        <p:style>
-          <a:lnRef idx="2">
-            <a:schemeClr val="accent1">
-              <a:shade val="50000"/>
-            </a:schemeClr>
-          </a:lnRef>
-          <a:fillRef idx="1">
-            <a:schemeClr val="accent1"/>
-          </a:fillRef>
-          <a:effectRef idx="0">
-            <a:schemeClr val="accent1"/>
-          </a:effectRef>
-          <a:fontRef idx="minor">
-            <a:schemeClr val="lt1"/>
-          </a:fontRef>
-        </p:style>
-        <p:txBody>
-          <a:bodyPr rtlCol="0" anchor="ctr"/>
-          <a:lstStyle/>
-          <a:p>
-            <a:pPr algn="ctr"/>
-            <a:r>
-              <a:rPr lang="en-US" dirty="0"/>
-              <a:t>Final Confusion Matrix 2 </a:t>
-            </a:r>
-          </a:p>
-        </p:txBody>
-      </p:sp>
-      <p:sp>
-        <p:nvSpPr>
-          <p:cNvPr id="18" name="Pfeil nach rechts 17">
-            <a:extLst>
-              <a:ext uri="{FF2B5EF4-FFF2-40B4-BE49-F238E27FC236}">
-                <a16:creationId xmlns:a16="http://schemas.microsoft.com/office/drawing/2014/main" id="{8FAEB637-7E06-FD44-ABD5-78F28CC39822}"/>
-              </a:ext>
-            </a:extLst>
-          </p:cNvPr>
-          <p:cNvSpPr/>
-          <p:nvPr/>
-        </p:nvSpPr>
-        <p:spPr>
-          <a:xfrm>
-            <a:off x="311501" y="5525389"/>
-            <a:ext cx="1815704" cy="823965"/>
-          </a:xfrm>
-          <a:prstGeom prst="rightArrow">
-            <a:avLst/>
-          </a:prstGeom>
-        </p:spPr>
-        <p:style>
-          <a:lnRef idx="2">
-            <a:schemeClr val="accent1">
-              <a:shade val="50000"/>
-            </a:schemeClr>
-          </a:lnRef>
-          <a:fillRef idx="1">
-            <a:schemeClr val="accent1"/>
-          </a:fillRef>
-          <a:effectRef idx="0">
-            <a:schemeClr val="accent1"/>
-          </a:effectRef>
-          <a:fontRef idx="minor">
-            <a:schemeClr val="lt1"/>
-          </a:fontRef>
-        </p:style>
-        <p:txBody>
-          <a:bodyPr rtlCol="0" anchor="ctr"/>
-          <a:lstStyle/>
-          <a:p>
-            <a:pPr algn="ctr"/>
-            <a:endParaRPr lang="en-US"/>
-          </a:p>
-        </p:txBody>
-      </p:sp>
-      <p:sp>
-        <p:nvSpPr>
-          <p:cNvPr id="19" name="Abgerundetes Rechteck 18">
-            <a:extLst>
-              <a:ext uri="{FF2B5EF4-FFF2-40B4-BE49-F238E27FC236}">
-                <a16:creationId xmlns:a16="http://schemas.microsoft.com/office/drawing/2014/main" id="{A574D459-0973-374E-AB71-1A15CA06D0A8}"/>
-              </a:ext>
-            </a:extLst>
-          </p:cNvPr>
-          <p:cNvSpPr/>
-          <p:nvPr/>
-        </p:nvSpPr>
-        <p:spPr>
-          <a:xfrm>
-            <a:off x="2708030" y="5264131"/>
-            <a:ext cx="9097218" cy="1346479"/>
+            <a:off x="6748508" y="3066656"/>
+            <a:ext cx="4991853" cy="2074056"/>
           </a:xfrm>
           <a:prstGeom prst="roundRect">
             <a:avLst/>
@@ -5436,6 +5115,36 @@
           </a:p>
         </p:txBody>
       </p:sp>
+      <p:pic>
+        <p:nvPicPr>
+          <p:cNvPr id="5" name="Grafik 4" descr="Ein Bild, das Karte enthält.&#10;&#10;Automatisch generierte Beschreibung">
+            <a:extLst>
+              <a:ext uri="{FF2B5EF4-FFF2-40B4-BE49-F238E27FC236}">
+                <a16:creationId xmlns:a16="http://schemas.microsoft.com/office/drawing/2014/main" id="{964C166C-21BF-8040-84DE-7DEB6E348E48}"/>
+              </a:ext>
+            </a:extLst>
+          </p:cNvPr>
+          <p:cNvPicPr>
+            <a:picLocks noChangeAspect="1"/>
+          </p:cNvPicPr>
+          <p:nvPr/>
+        </p:nvPicPr>
+        <p:blipFill>
+          <a:blip r:embed="rId2"/>
+          <a:stretch>
+            <a:fillRect/>
+          </a:stretch>
+        </p:blipFill>
+        <p:spPr>
+          <a:xfrm>
+            <a:off x="110779" y="1828167"/>
+            <a:ext cx="6290021" cy="5024154"/>
+          </a:xfrm>
+          <a:prstGeom prst="rect">
+            <a:avLst/>
+          </a:prstGeom>
+        </p:spPr>
+      </p:pic>
     </p:spTree>
     <p:extLst>
       <p:ext uri="{BB962C8B-B14F-4D97-AF65-F5344CB8AC3E}">

--- a/Model Interpretation.pptx
+++ b/Model Interpretation.pptx
@@ -8,6 +8,7 @@
     <p:sldId id="976" r:id="rId2"/>
     <p:sldId id="982" r:id="rId3"/>
     <p:sldId id="983" r:id="rId4"/>
+    <p:sldId id="984" r:id="rId5"/>
   </p:sldIdLst>
   <p:sldSz cx="12192000" cy="6858000"/>
   <p:notesSz cx="6858000" cy="9144000"/>
@@ -3428,41 +3429,6 @@
                 </a:effectLst>
               </a:rPr>
               <a:t>Business Case: Recall vs. Precision</a:t>
-            </a:r>
-          </a:p>
-        </p:txBody>
-      </p:sp>
-      <p:sp>
-        <p:nvSpPr>
-          <p:cNvPr id="8" name="Textfeld 7">
-            <a:extLst>
-              <a:ext uri="{FF2B5EF4-FFF2-40B4-BE49-F238E27FC236}">
-                <a16:creationId xmlns:a16="http://schemas.microsoft.com/office/drawing/2014/main" id="{A8F2922C-6694-F449-B3AA-8CFBFC5B7491}"/>
-              </a:ext>
-            </a:extLst>
-          </p:cNvPr>
-          <p:cNvSpPr txBox="1"/>
-          <p:nvPr/>
-        </p:nvSpPr>
-        <p:spPr>
-          <a:xfrm>
-            <a:off x="2358315" y="622279"/>
-            <a:ext cx="6781687" cy="369332"/>
-          </a:xfrm>
-          <a:prstGeom prst="rect">
-            <a:avLst/>
-          </a:prstGeom>
-          <a:noFill/>
-        </p:spPr>
-        <p:txBody>
-          <a:bodyPr wrap="square" rtlCol="0">
-            <a:spAutoFit/>
-          </a:bodyPr>
-          <a:lstStyle/>
-          <a:p>
-            <a:r>
-              <a:rPr lang="en-US" i="1" dirty="0"/>
-              <a:t>What is the optimal metric to go for – depending on our Business Case</a:t>
             </a:r>
           </a:p>
         </p:txBody>
@@ -4403,6 +4369,42 @@
       </p:grpSpPr>
       <p:sp>
         <p:nvSpPr>
+          <p:cNvPr id="9" name="Textfeld 8">
+            <a:extLst>
+              <a:ext uri="{FF2B5EF4-FFF2-40B4-BE49-F238E27FC236}">
+                <a16:creationId xmlns:a16="http://schemas.microsoft.com/office/drawing/2014/main" id="{EC2DC11A-EDD2-DC40-B037-05A98FF9E71A}"/>
+              </a:ext>
+            </a:extLst>
+          </p:cNvPr>
+          <p:cNvSpPr txBox="1"/>
+          <p:nvPr/>
+        </p:nvSpPr>
+        <p:spPr>
+          <a:xfrm>
+            <a:off x="1305017" y="0"/>
+            <a:ext cx="10886983" cy="956442"/>
+          </a:xfrm>
+          <a:prstGeom prst="rect">
+            <a:avLst/>
+          </a:prstGeom>
+          <a:solidFill>
+            <a:srgbClr val="00B0F0">
+              <a:alpha val="19000"/>
+            </a:srgbClr>
+          </a:solidFill>
+        </p:spPr>
+        <p:txBody>
+          <a:bodyPr wrap="square" rtlCol="0">
+            <a:spAutoFit/>
+          </a:bodyPr>
+          <a:lstStyle/>
+          <a:p>
+            <a:endParaRPr lang="en-US" dirty="0"/>
+          </a:p>
+        </p:txBody>
+      </p:sp>
+      <p:sp>
+        <p:nvSpPr>
           <p:cNvPr id="2" name="Textfeld 1">
             <a:extLst>
               <a:ext uri="{FF2B5EF4-FFF2-40B4-BE49-F238E27FC236}">
@@ -4445,135 +4447,6 @@
               </a:rPr>
               <a:t>Business Case: Recall vs. Precision</a:t>
             </a:r>
-          </a:p>
-        </p:txBody>
-      </p:sp>
-      <p:pic>
-        <p:nvPicPr>
-          <p:cNvPr id="5" name="Grafik 4" descr="Ein Bild, das Screenshot enthält.&#10;&#10;Automatisch generierte Beschreibung">
-            <a:extLst>
-              <a:ext uri="{FF2B5EF4-FFF2-40B4-BE49-F238E27FC236}">
-                <a16:creationId xmlns:a16="http://schemas.microsoft.com/office/drawing/2014/main" id="{1B22E0F9-6410-0248-8D4E-7F60CC52ECC7}"/>
-              </a:ext>
-            </a:extLst>
-          </p:cNvPr>
-          <p:cNvPicPr>
-            <a:picLocks noChangeAspect="1"/>
-          </p:cNvPicPr>
-          <p:nvPr/>
-        </p:nvPicPr>
-        <p:blipFill rotWithShape="1">
-          <a:blip r:embed="rId2"/>
-          <a:srcRect l="3130" t="22257" r="24452" b="44810"/>
-          <a:stretch/>
-        </p:blipFill>
-        <p:spPr>
-          <a:xfrm>
-            <a:off x="0" y="1685276"/>
-            <a:ext cx="10211426" cy="2414726"/>
-          </a:xfrm>
-          <a:prstGeom prst="rect">
-            <a:avLst/>
-          </a:prstGeom>
-        </p:spPr>
-      </p:pic>
-      <p:pic>
-        <p:nvPicPr>
-          <p:cNvPr id="7" name="Grafik 6" descr="Ein Bild, das Screenshot enthält.&#10;&#10;Automatisch generierte Beschreibung">
-            <a:extLst>
-              <a:ext uri="{FF2B5EF4-FFF2-40B4-BE49-F238E27FC236}">
-                <a16:creationId xmlns:a16="http://schemas.microsoft.com/office/drawing/2014/main" id="{1F3E649B-4B67-C24E-B8D2-A22DCC995BDD}"/>
-              </a:ext>
-            </a:extLst>
-          </p:cNvPr>
-          <p:cNvPicPr>
-            <a:picLocks noChangeAspect="1"/>
-          </p:cNvPicPr>
-          <p:nvPr/>
-        </p:nvPicPr>
-        <p:blipFill rotWithShape="1">
-          <a:blip r:embed="rId3"/>
-          <a:srcRect l="3561" t="12803" r="20353" b="51612"/>
-          <a:stretch/>
-        </p:blipFill>
-        <p:spPr>
-          <a:xfrm>
-            <a:off x="1980573" y="4405514"/>
-            <a:ext cx="10211427" cy="2310358"/>
-          </a:xfrm>
-          <a:prstGeom prst="rect">
-            <a:avLst/>
-          </a:prstGeom>
-        </p:spPr>
-      </p:pic>
-      <p:sp>
-        <p:nvSpPr>
-          <p:cNvPr id="8" name="Textfeld 7">
-            <a:extLst>
-              <a:ext uri="{FF2B5EF4-FFF2-40B4-BE49-F238E27FC236}">
-                <a16:creationId xmlns:a16="http://schemas.microsoft.com/office/drawing/2014/main" id="{A8F2922C-6694-F449-B3AA-8CFBFC5B7491}"/>
-              </a:ext>
-            </a:extLst>
-          </p:cNvPr>
-          <p:cNvSpPr txBox="1"/>
-          <p:nvPr/>
-        </p:nvSpPr>
-        <p:spPr>
-          <a:xfrm>
-            <a:off x="2358315" y="622279"/>
-            <a:ext cx="6781687" cy="369332"/>
-          </a:xfrm>
-          <a:prstGeom prst="rect">
-            <a:avLst/>
-          </a:prstGeom>
-          <a:noFill/>
-        </p:spPr>
-        <p:txBody>
-          <a:bodyPr wrap="square" rtlCol="0">
-            <a:spAutoFit/>
-          </a:bodyPr>
-          <a:lstStyle/>
-          <a:p>
-            <a:r>
-              <a:rPr lang="en-US" i="1" dirty="0"/>
-              <a:t>What is the optimal metric to go for – depending on our Business Case</a:t>
-            </a:r>
-          </a:p>
-        </p:txBody>
-      </p:sp>
-      <p:sp>
-        <p:nvSpPr>
-          <p:cNvPr id="9" name="Textfeld 8">
-            <a:extLst>
-              <a:ext uri="{FF2B5EF4-FFF2-40B4-BE49-F238E27FC236}">
-                <a16:creationId xmlns:a16="http://schemas.microsoft.com/office/drawing/2014/main" id="{EC2DC11A-EDD2-DC40-B037-05A98FF9E71A}"/>
-              </a:ext>
-            </a:extLst>
-          </p:cNvPr>
-          <p:cNvSpPr txBox="1"/>
-          <p:nvPr/>
-        </p:nvSpPr>
-        <p:spPr>
-          <a:xfrm>
-            <a:off x="1305017" y="0"/>
-            <a:ext cx="10886983" cy="956442"/>
-          </a:xfrm>
-          <a:prstGeom prst="rect">
-            <a:avLst/>
-          </a:prstGeom>
-          <a:solidFill>
-            <a:srgbClr val="00B0F0">
-              <a:alpha val="19000"/>
-            </a:srgbClr>
-          </a:solidFill>
-        </p:spPr>
-        <p:txBody>
-          <a:bodyPr wrap="square" rtlCol="0">
-            <a:spAutoFit/>
-          </a:bodyPr>
-          <a:lstStyle/>
-          <a:p>
-            <a:endParaRPr lang="en-US" dirty="0"/>
           </a:p>
         </p:txBody>
       </p:sp>
@@ -4805,6 +4678,273 @@
           <a:p>
             <a:pPr algn="ctr"/>
             <a:endParaRPr lang="en-US"/>
+          </a:p>
+        </p:txBody>
+      </p:sp>
+      <p:sp>
+        <p:nvSpPr>
+          <p:cNvPr id="13" name="Textfeld 12">
+            <a:extLst>
+              <a:ext uri="{FF2B5EF4-FFF2-40B4-BE49-F238E27FC236}">
+                <a16:creationId xmlns:a16="http://schemas.microsoft.com/office/drawing/2014/main" id="{090A389F-9AD9-1A43-B44C-B8F32FC667E3}"/>
+              </a:ext>
+            </a:extLst>
+          </p:cNvPr>
+          <p:cNvSpPr txBox="1"/>
+          <p:nvPr/>
+        </p:nvSpPr>
+        <p:spPr>
+          <a:xfrm>
+            <a:off x="3259567" y="620455"/>
+            <a:ext cx="4980168" cy="369332"/>
+          </a:xfrm>
+          <a:prstGeom prst="rect">
+            <a:avLst/>
+          </a:prstGeom>
+          <a:noFill/>
+        </p:spPr>
+        <p:txBody>
+          <a:bodyPr wrap="square" rtlCol="0">
+            <a:spAutoFit/>
+          </a:bodyPr>
+          <a:lstStyle/>
+          <a:p>
+            <a:r>
+              <a:rPr lang="en-US" i="1" dirty="0"/>
+              <a:t>What is the optimal metric to for our Business Case</a:t>
+            </a:r>
+          </a:p>
+        </p:txBody>
+      </p:sp>
+      <p:pic>
+        <p:nvPicPr>
+          <p:cNvPr id="14" name="Grafik 13" descr="Ein Bild, das Screenshot enthält.&#10;&#10;Automatisch generierte Beschreibung">
+            <a:extLst>
+              <a:ext uri="{FF2B5EF4-FFF2-40B4-BE49-F238E27FC236}">
+                <a16:creationId xmlns:a16="http://schemas.microsoft.com/office/drawing/2014/main" id="{5112C6C8-4CAF-264D-B90E-386644C49264}"/>
+              </a:ext>
+            </a:extLst>
+          </p:cNvPr>
+          <p:cNvPicPr>
+            <a:picLocks noChangeAspect="1"/>
+          </p:cNvPicPr>
+          <p:nvPr/>
+        </p:nvPicPr>
+        <p:blipFill rotWithShape="1">
+          <a:blip r:embed="rId2"/>
+          <a:srcRect b="50000"/>
+          <a:stretch/>
+        </p:blipFill>
+        <p:spPr>
+          <a:xfrm>
+            <a:off x="178707" y="1556197"/>
+            <a:ext cx="10160000" cy="2489200"/>
+          </a:xfrm>
+          <a:prstGeom prst="rect">
+            <a:avLst/>
+          </a:prstGeom>
+        </p:spPr>
+      </p:pic>
+      <p:pic>
+        <p:nvPicPr>
+          <p:cNvPr id="16" name="Grafik 15" descr="Ein Bild, das Screenshot enthält.&#10;&#10;Automatisch generierte Beschreibung">
+            <a:extLst>
+              <a:ext uri="{FF2B5EF4-FFF2-40B4-BE49-F238E27FC236}">
+                <a16:creationId xmlns:a16="http://schemas.microsoft.com/office/drawing/2014/main" id="{F2C8F80D-5489-3B4D-9736-934E23B5B611}"/>
+              </a:ext>
+            </a:extLst>
+          </p:cNvPr>
+          <p:cNvPicPr>
+            <a:picLocks noChangeAspect="1"/>
+          </p:cNvPicPr>
+          <p:nvPr/>
+        </p:nvPicPr>
+        <p:blipFill rotWithShape="1">
+          <a:blip r:embed="rId3"/>
+          <a:srcRect b="51091"/>
+          <a:stretch/>
+        </p:blipFill>
+        <p:spPr>
+          <a:xfrm>
+            <a:off x="2032000" y="4435016"/>
+            <a:ext cx="10160000" cy="2434883"/>
+          </a:xfrm>
+          <a:prstGeom prst="rect">
+            <a:avLst/>
+          </a:prstGeom>
+        </p:spPr>
+      </p:pic>
+      <p:sp>
+        <p:nvSpPr>
+          <p:cNvPr id="17" name="Oval 16">
+            <a:extLst>
+              <a:ext uri="{FF2B5EF4-FFF2-40B4-BE49-F238E27FC236}">
+                <a16:creationId xmlns:a16="http://schemas.microsoft.com/office/drawing/2014/main" id="{F4B98D31-CDC2-134F-81BE-B615DC2CE3F1}"/>
+              </a:ext>
+            </a:extLst>
+          </p:cNvPr>
+          <p:cNvSpPr/>
+          <p:nvPr/>
+        </p:nvSpPr>
+        <p:spPr>
+          <a:xfrm>
+            <a:off x="2419505" y="3563609"/>
+            <a:ext cx="840062" cy="338085"/>
+          </a:xfrm>
+          <a:prstGeom prst="ellipse">
+            <a:avLst/>
+          </a:prstGeom>
+          <a:solidFill>
+            <a:schemeClr val="bg1">
+              <a:alpha val="0"/>
+            </a:schemeClr>
+          </a:solidFill>
+          <a:ln w="19050">
+            <a:solidFill>
+              <a:schemeClr val="tx1"/>
+            </a:solidFill>
+          </a:ln>
+        </p:spPr>
+        <p:style>
+          <a:lnRef idx="2">
+            <a:schemeClr val="accent1">
+              <a:shade val="50000"/>
+            </a:schemeClr>
+          </a:lnRef>
+          <a:fillRef idx="1">
+            <a:schemeClr val="accent1"/>
+          </a:fillRef>
+          <a:effectRef idx="0">
+            <a:schemeClr val="accent1"/>
+          </a:effectRef>
+          <a:fontRef idx="minor">
+            <a:schemeClr val="lt1"/>
+          </a:fontRef>
+        </p:style>
+        <p:txBody>
+          <a:bodyPr rtlCol="0" anchor="ctr"/>
+          <a:lstStyle/>
+          <a:p>
+            <a:pPr algn="ctr"/>
+            <a:endParaRPr lang="en-US"/>
+          </a:p>
+        </p:txBody>
+      </p:sp>
+      <p:sp>
+        <p:nvSpPr>
+          <p:cNvPr id="18" name="Abgerundetes Rechteck 17">
+            <a:extLst>
+              <a:ext uri="{FF2B5EF4-FFF2-40B4-BE49-F238E27FC236}">
+                <a16:creationId xmlns:a16="http://schemas.microsoft.com/office/drawing/2014/main" id="{F04211A6-FF22-DA43-AC8C-3D2400E62AFE}"/>
+              </a:ext>
+            </a:extLst>
+          </p:cNvPr>
+          <p:cNvSpPr/>
+          <p:nvPr/>
+        </p:nvSpPr>
+        <p:spPr>
+          <a:xfrm>
+            <a:off x="416533" y="1682010"/>
+            <a:ext cx="2002972" cy="326070"/>
+          </a:xfrm>
+          <a:prstGeom prst="roundRect">
+            <a:avLst/>
+          </a:prstGeom>
+          <a:solidFill>
+            <a:schemeClr val="bg1"/>
+          </a:solidFill>
+          <a:ln>
+            <a:noFill/>
+          </a:ln>
+        </p:spPr>
+        <p:style>
+          <a:lnRef idx="2">
+            <a:schemeClr val="accent1">
+              <a:shade val="50000"/>
+            </a:schemeClr>
+          </a:lnRef>
+          <a:fillRef idx="1">
+            <a:schemeClr val="accent1"/>
+          </a:fillRef>
+          <a:effectRef idx="0">
+            <a:schemeClr val="accent1"/>
+          </a:effectRef>
+          <a:fontRef idx="minor">
+            <a:schemeClr val="lt1"/>
+          </a:fontRef>
+        </p:style>
+        <p:txBody>
+          <a:bodyPr rtlCol="0" anchor="ctr"/>
+          <a:lstStyle/>
+          <a:p>
+            <a:pPr algn="ctr"/>
+            <a:r>
+              <a:rPr lang="en-US" sz="1600" dirty="0">
+                <a:solidFill>
+                  <a:schemeClr val="tx1"/>
+                </a:solidFill>
+              </a:rPr>
+              <a:t>Optimal Recall Model</a:t>
+            </a:r>
+          </a:p>
+        </p:txBody>
+      </p:sp>
+      <p:sp>
+        <p:nvSpPr>
+          <p:cNvPr id="19" name="Abgerundetes Rechteck 18">
+            <a:extLst>
+              <a:ext uri="{FF2B5EF4-FFF2-40B4-BE49-F238E27FC236}">
+                <a16:creationId xmlns:a16="http://schemas.microsoft.com/office/drawing/2014/main" id="{4BB65096-2AFA-A540-95CF-96296A37EBF2}"/>
+              </a:ext>
+            </a:extLst>
+          </p:cNvPr>
+          <p:cNvSpPr/>
+          <p:nvPr/>
+        </p:nvSpPr>
+        <p:spPr>
+          <a:xfrm>
+            <a:off x="2355076" y="4574950"/>
+            <a:ext cx="2260186" cy="326070"/>
+          </a:xfrm>
+          <a:prstGeom prst="roundRect">
+            <a:avLst/>
+          </a:prstGeom>
+          <a:solidFill>
+            <a:schemeClr val="bg1"/>
+          </a:solidFill>
+          <a:ln>
+            <a:noFill/>
+          </a:ln>
+        </p:spPr>
+        <p:style>
+          <a:lnRef idx="2">
+            <a:schemeClr val="accent1">
+              <a:shade val="50000"/>
+            </a:schemeClr>
+          </a:lnRef>
+          <a:fillRef idx="1">
+            <a:schemeClr val="accent1"/>
+          </a:fillRef>
+          <a:effectRef idx="0">
+            <a:schemeClr val="accent1"/>
+          </a:effectRef>
+          <a:fontRef idx="minor">
+            <a:schemeClr val="lt1"/>
+          </a:fontRef>
+        </p:style>
+        <p:txBody>
+          <a:bodyPr rtlCol="0" anchor="ctr"/>
+          <a:lstStyle/>
+          <a:p>
+            <a:pPr algn="ctr"/>
+            <a:r>
+              <a:rPr lang="en-US" sz="1600" dirty="0">
+                <a:solidFill>
+                  <a:schemeClr val="tx1"/>
+                </a:solidFill>
+              </a:rPr>
+              <a:t>Optimal Precision Model</a:t>
+            </a:r>
           </a:p>
         </p:txBody>
       </p:sp>
@@ -4840,6 +4980,42 @@
       </p:grpSpPr>
       <p:sp>
         <p:nvSpPr>
+          <p:cNvPr id="9" name="Textfeld 8">
+            <a:extLst>
+              <a:ext uri="{FF2B5EF4-FFF2-40B4-BE49-F238E27FC236}">
+                <a16:creationId xmlns:a16="http://schemas.microsoft.com/office/drawing/2014/main" id="{EC2DC11A-EDD2-DC40-B037-05A98FF9E71A}"/>
+              </a:ext>
+            </a:extLst>
+          </p:cNvPr>
+          <p:cNvSpPr txBox="1"/>
+          <p:nvPr/>
+        </p:nvSpPr>
+        <p:spPr>
+          <a:xfrm>
+            <a:off x="1305017" y="0"/>
+            <a:ext cx="10886983" cy="956442"/>
+          </a:xfrm>
+          <a:prstGeom prst="rect">
+            <a:avLst/>
+          </a:prstGeom>
+          <a:solidFill>
+            <a:srgbClr val="00B0F0">
+              <a:alpha val="19000"/>
+            </a:srgbClr>
+          </a:solidFill>
+        </p:spPr>
+        <p:txBody>
+          <a:bodyPr wrap="square" rtlCol="0">
+            <a:spAutoFit/>
+          </a:bodyPr>
+          <a:lstStyle/>
+          <a:p>
+            <a:endParaRPr lang="en-US" dirty="0"/>
+          </a:p>
+        </p:txBody>
+      </p:sp>
+      <p:sp>
+        <p:nvSpPr>
           <p:cNvPr id="2" name="Textfeld 1">
             <a:extLst>
               <a:ext uri="{FF2B5EF4-FFF2-40B4-BE49-F238E27FC236}">
@@ -4882,77 +5058,6 @@
               </a:rPr>
               <a:t>Business Case: Recall vs. Precision</a:t>
             </a:r>
-          </a:p>
-        </p:txBody>
-      </p:sp>
-      <p:sp>
-        <p:nvSpPr>
-          <p:cNvPr id="8" name="Textfeld 7">
-            <a:extLst>
-              <a:ext uri="{FF2B5EF4-FFF2-40B4-BE49-F238E27FC236}">
-                <a16:creationId xmlns:a16="http://schemas.microsoft.com/office/drawing/2014/main" id="{A8F2922C-6694-F449-B3AA-8CFBFC5B7491}"/>
-              </a:ext>
-            </a:extLst>
-          </p:cNvPr>
-          <p:cNvSpPr txBox="1"/>
-          <p:nvPr/>
-        </p:nvSpPr>
-        <p:spPr>
-          <a:xfrm>
-            <a:off x="2358315" y="622279"/>
-            <a:ext cx="6781687" cy="369332"/>
-          </a:xfrm>
-          <a:prstGeom prst="rect">
-            <a:avLst/>
-          </a:prstGeom>
-          <a:noFill/>
-        </p:spPr>
-        <p:txBody>
-          <a:bodyPr wrap="square" rtlCol="0">
-            <a:spAutoFit/>
-          </a:bodyPr>
-          <a:lstStyle/>
-          <a:p>
-            <a:r>
-              <a:rPr lang="en-US" i="1" dirty="0"/>
-              <a:t>What is the optimal metric to go for – depending on our Business Case</a:t>
-            </a:r>
-          </a:p>
-        </p:txBody>
-      </p:sp>
-      <p:sp>
-        <p:nvSpPr>
-          <p:cNvPr id="9" name="Textfeld 8">
-            <a:extLst>
-              <a:ext uri="{FF2B5EF4-FFF2-40B4-BE49-F238E27FC236}">
-                <a16:creationId xmlns:a16="http://schemas.microsoft.com/office/drawing/2014/main" id="{EC2DC11A-EDD2-DC40-B037-05A98FF9E71A}"/>
-              </a:ext>
-            </a:extLst>
-          </p:cNvPr>
-          <p:cNvSpPr txBox="1"/>
-          <p:nvPr/>
-        </p:nvSpPr>
-        <p:spPr>
-          <a:xfrm>
-            <a:off x="1305017" y="0"/>
-            <a:ext cx="10886983" cy="956442"/>
-          </a:xfrm>
-          <a:prstGeom prst="rect">
-            <a:avLst/>
-          </a:prstGeom>
-          <a:solidFill>
-            <a:srgbClr val="00B0F0">
-              <a:alpha val="19000"/>
-            </a:srgbClr>
-          </a:solidFill>
-        </p:spPr>
-        <p:txBody>
-          <a:bodyPr wrap="square" rtlCol="0">
-            <a:spAutoFit/>
-          </a:bodyPr>
-          <a:lstStyle/>
-          <a:p>
-            <a:endParaRPr lang="en-US" dirty="0"/>
           </a:p>
         </p:txBody>
       </p:sp>
@@ -5054,8 +5159,8 @@
         </p:nvSpPr>
         <p:spPr>
           <a:xfrm>
-            <a:off x="6748508" y="3066656"/>
-            <a:ext cx="4991853" cy="2074056"/>
+            <a:off x="6963096" y="1828167"/>
+            <a:ext cx="4991853" cy="3169065"/>
           </a:xfrm>
           <a:prstGeom prst="roundRect">
             <a:avLst/>
@@ -5099,18 +5204,85 @@
                   <a:schemeClr val="tx1"/>
                 </a:solidFill>
               </a:rPr>
-              <a:t>The highest percentage we get is for Precision when predicting for flights to be on time. </a:t>
-            </a:r>
-          </a:p>
-          <a:p>
-            <a:pPr algn="ctr"/>
+              <a:t>The highest percentage we get is for </a:t>
+            </a:r>
+            <a:r>
+              <a:rPr lang="en-US" b="1" dirty="0">
+                <a:solidFill>
+                  <a:schemeClr val="tx1"/>
+                </a:solidFill>
+              </a:rPr>
+              <a:t>Precision</a:t>
+            </a:r>
             <a:r>
               <a:rPr lang="en-US" dirty="0">
                 <a:solidFill>
                   <a:schemeClr val="tx1"/>
                 </a:solidFill>
               </a:rPr>
-              <a:t>The False Positives (We predict a flight to be on time, but it actually is not) are lower compared to the False Negatives when predicting for delays.</a:t>
+              <a:t> when predicting for flights to be on time. </a:t>
+            </a:r>
+          </a:p>
+          <a:p>
+            <a:pPr algn="ctr"/>
+            <a:endParaRPr lang="en-US" dirty="0">
+              <a:solidFill>
+                <a:schemeClr val="tx1"/>
+              </a:solidFill>
+            </a:endParaRPr>
+          </a:p>
+          <a:p>
+            <a:pPr algn="ctr"/>
+            <a:r>
+              <a:rPr lang="en-US" dirty="0">
+                <a:solidFill>
+                  <a:schemeClr val="tx1"/>
+                </a:solidFill>
+              </a:rPr>
+              <a:t>The False Positives (we predict a flight to be on time, but actually is not) are lower compared to the False Negatives when predicting for delays.</a:t>
+            </a:r>
+          </a:p>
+          <a:p>
+            <a:pPr algn="ctr"/>
+            <a:endParaRPr lang="en-US" dirty="0">
+              <a:solidFill>
+                <a:schemeClr val="tx1"/>
+              </a:solidFill>
+            </a:endParaRPr>
+          </a:p>
+          <a:p>
+            <a:pPr algn="ctr"/>
+            <a:r>
+              <a:rPr lang="en-US" dirty="0">
+                <a:solidFill>
+                  <a:schemeClr val="tx1"/>
+                </a:solidFill>
+              </a:rPr>
+              <a:t>Also, </a:t>
+            </a:r>
+            <a:r>
+              <a:rPr lang="en-US" b="1" dirty="0">
+                <a:solidFill>
+                  <a:schemeClr val="tx1"/>
+                </a:solidFill>
+              </a:rPr>
+              <a:t>the AUC</a:t>
+            </a:r>
+            <a:r>
+              <a:rPr lang="en-US" dirty="0">
+                <a:solidFill>
+                  <a:schemeClr val="tx1"/>
+                </a:solidFill>
+              </a:rPr>
+              <a:t>, which is the most important metric is reasonably high with </a:t>
+            </a:r>
+            <a:r>
+              <a:rPr lang="en-US" b="1" dirty="0">
+                <a:solidFill>
+                  <a:schemeClr val="tx1"/>
+                </a:solidFill>
+              </a:rPr>
+              <a:t>ca. 70 %</a:t>
             </a:r>
           </a:p>
         </p:txBody>
@@ -5145,10 +5317,676 @@
           </a:prstGeom>
         </p:spPr>
       </p:pic>
+      <p:sp>
+        <p:nvSpPr>
+          <p:cNvPr id="10" name="Oval 9">
+            <a:extLst>
+              <a:ext uri="{FF2B5EF4-FFF2-40B4-BE49-F238E27FC236}">
+                <a16:creationId xmlns:a16="http://schemas.microsoft.com/office/drawing/2014/main" id="{F8E5E435-1E18-344A-977E-D201745A5551}"/>
+              </a:ext>
+            </a:extLst>
+          </p:cNvPr>
+          <p:cNvSpPr/>
+          <p:nvPr/>
+        </p:nvSpPr>
+        <p:spPr>
+          <a:xfrm>
+            <a:off x="2251481" y="3066657"/>
+            <a:ext cx="840062" cy="190350"/>
+          </a:xfrm>
+          <a:prstGeom prst="ellipse">
+            <a:avLst/>
+          </a:prstGeom>
+          <a:solidFill>
+            <a:schemeClr val="bg1">
+              <a:alpha val="0"/>
+            </a:schemeClr>
+          </a:solidFill>
+          <a:ln w="19050">
+            <a:solidFill>
+              <a:schemeClr val="tx1"/>
+            </a:solidFill>
+          </a:ln>
+        </p:spPr>
+        <p:style>
+          <a:lnRef idx="2">
+            <a:schemeClr val="accent1">
+              <a:shade val="50000"/>
+            </a:schemeClr>
+          </a:lnRef>
+          <a:fillRef idx="1">
+            <a:schemeClr val="accent1"/>
+          </a:fillRef>
+          <a:effectRef idx="0">
+            <a:schemeClr val="accent1"/>
+          </a:effectRef>
+          <a:fontRef idx="minor">
+            <a:schemeClr val="lt1"/>
+          </a:fontRef>
+        </p:style>
+        <p:txBody>
+          <a:bodyPr rtlCol="0" anchor="ctr"/>
+          <a:lstStyle/>
+          <a:p>
+            <a:pPr algn="ctr"/>
+            <a:endParaRPr lang="en-US"/>
+          </a:p>
+        </p:txBody>
+      </p:sp>
+      <p:sp>
+        <p:nvSpPr>
+          <p:cNvPr id="12" name="Oval 11">
+            <a:extLst>
+              <a:ext uri="{FF2B5EF4-FFF2-40B4-BE49-F238E27FC236}">
+                <a16:creationId xmlns:a16="http://schemas.microsoft.com/office/drawing/2014/main" id="{C60A202C-BC6E-404B-96CE-D35A25AC6DB3}"/>
+              </a:ext>
+            </a:extLst>
+          </p:cNvPr>
+          <p:cNvSpPr/>
+          <p:nvPr/>
+        </p:nvSpPr>
+        <p:spPr>
+          <a:xfrm>
+            <a:off x="1305017" y="6242251"/>
+            <a:ext cx="1053298" cy="271760"/>
+          </a:xfrm>
+          <a:prstGeom prst="ellipse">
+            <a:avLst/>
+          </a:prstGeom>
+          <a:solidFill>
+            <a:schemeClr val="bg1">
+              <a:alpha val="0"/>
+            </a:schemeClr>
+          </a:solidFill>
+          <a:ln w="19050">
+            <a:solidFill>
+              <a:schemeClr val="tx1"/>
+            </a:solidFill>
+          </a:ln>
+        </p:spPr>
+        <p:style>
+          <a:lnRef idx="2">
+            <a:schemeClr val="accent1">
+              <a:shade val="50000"/>
+            </a:schemeClr>
+          </a:lnRef>
+          <a:fillRef idx="1">
+            <a:schemeClr val="accent1"/>
+          </a:fillRef>
+          <a:effectRef idx="0">
+            <a:schemeClr val="accent1"/>
+          </a:effectRef>
+          <a:fontRef idx="minor">
+            <a:schemeClr val="lt1"/>
+          </a:fontRef>
+        </p:style>
+        <p:txBody>
+          <a:bodyPr rtlCol="0" anchor="ctr"/>
+          <a:lstStyle/>
+          <a:p>
+            <a:pPr algn="ctr"/>
+            <a:endParaRPr lang="en-US"/>
+          </a:p>
+        </p:txBody>
+      </p:sp>
+      <p:sp>
+        <p:nvSpPr>
+          <p:cNvPr id="13" name="Textfeld 12">
+            <a:extLst>
+              <a:ext uri="{FF2B5EF4-FFF2-40B4-BE49-F238E27FC236}">
+                <a16:creationId xmlns:a16="http://schemas.microsoft.com/office/drawing/2014/main" id="{59A7382D-E3B2-8946-B227-D376A04209CB}"/>
+              </a:ext>
+            </a:extLst>
+          </p:cNvPr>
+          <p:cNvSpPr txBox="1"/>
+          <p:nvPr/>
+        </p:nvSpPr>
+        <p:spPr>
+          <a:xfrm>
+            <a:off x="3259567" y="620455"/>
+            <a:ext cx="4980168" cy="369332"/>
+          </a:xfrm>
+          <a:prstGeom prst="rect">
+            <a:avLst/>
+          </a:prstGeom>
+          <a:noFill/>
+        </p:spPr>
+        <p:txBody>
+          <a:bodyPr wrap="square" rtlCol="0">
+            <a:spAutoFit/>
+          </a:bodyPr>
+          <a:lstStyle/>
+          <a:p>
+            <a:r>
+              <a:rPr lang="en-US" i="1" dirty="0"/>
+              <a:t>What is the optimal metric to for our Business Case</a:t>
+            </a:r>
+          </a:p>
+        </p:txBody>
+      </p:sp>
+      <p:sp>
+        <p:nvSpPr>
+          <p:cNvPr id="14" name="Abgerundetes Rechteck 13">
+            <a:extLst>
+              <a:ext uri="{FF2B5EF4-FFF2-40B4-BE49-F238E27FC236}">
+                <a16:creationId xmlns:a16="http://schemas.microsoft.com/office/drawing/2014/main" id="{A6C9F0C8-B5C8-B141-A904-71887D5C17A8}"/>
+              </a:ext>
+            </a:extLst>
+          </p:cNvPr>
+          <p:cNvSpPr/>
+          <p:nvPr/>
+        </p:nvSpPr>
+        <p:spPr>
+          <a:xfrm>
+            <a:off x="6963096" y="5255217"/>
+            <a:ext cx="4991853" cy="1227480"/>
+          </a:xfrm>
+          <a:prstGeom prst="roundRect">
+            <a:avLst/>
+          </a:prstGeom>
+          <a:solidFill>
+            <a:schemeClr val="accent5">
+              <a:lumMod val="60000"/>
+              <a:lumOff val="40000"/>
+            </a:schemeClr>
+          </a:solidFill>
+          <a:ln>
+            <a:solidFill>
+              <a:schemeClr val="accent1"/>
+            </a:solidFill>
+          </a:ln>
+        </p:spPr>
+        <p:style>
+          <a:lnRef idx="2">
+            <a:schemeClr val="accent1">
+              <a:shade val="50000"/>
+            </a:schemeClr>
+          </a:lnRef>
+          <a:fillRef idx="1">
+            <a:schemeClr val="accent1"/>
+          </a:fillRef>
+          <a:effectRef idx="0">
+            <a:schemeClr val="accent1"/>
+          </a:effectRef>
+          <a:fontRef idx="minor">
+            <a:schemeClr val="lt1"/>
+          </a:fontRef>
+        </p:style>
+        <p:txBody>
+          <a:bodyPr rtlCol="0" anchor="ctr"/>
+          <a:lstStyle/>
+          <a:p>
+            <a:pPr algn="ctr"/>
+            <a:r>
+              <a:rPr lang="en-US" b="1" dirty="0">
+                <a:solidFill>
+                  <a:schemeClr val="tx1"/>
+                </a:solidFill>
+              </a:rPr>
+              <a:t>Result: </a:t>
+            </a:r>
+            <a:r>
+              <a:rPr lang="en-US" dirty="0">
+                <a:solidFill>
+                  <a:schemeClr val="tx1"/>
+                </a:solidFill>
+              </a:rPr>
+              <a:t>We made a Fusion out of the two model -&gt; Ensemble </a:t>
+            </a:r>
+          </a:p>
+        </p:txBody>
+      </p:sp>
     </p:spTree>
     <p:extLst>
       <p:ext uri="{BB962C8B-B14F-4D97-AF65-F5344CB8AC3E}">
         <p14:creationId xmlns:p14="http://schemas.microsoft.com/office/powerpoint/2010/main" val="1986979473"/>
+      </p:ext>
+    </p:extLst>
+  </p:cSld>
+  <p:clrMapOvr>
+    <a:masterClrMapping/>
+  </p:clrMapOvr>
+</p:sld>
+</file>
+
+<file path=ppt/slides/slide4.xml><?xml version="1.0" encoding="utf-8"?>
+<p:sld xmlns:a="http://schemas.openxmlformats.org/drawingml/2006/main" xmlns:r="http://schemas.openxmlformats.org/officeDocument/2006/relationships" xmlns:p="http://schemas.openxmlformats.org/presentationml/2006/main">
+  <p:cSld>
+    <p:spTree>
+      <p:nvGrpSpPr>
+        <p:cNvPr id="1" name=""/>
+        <p:cNvGrpSpPr/>
+        <p:nvPr/>
+      </p:nvGrpSpPr>
+      <p:grpSpPr>
+        <a:xfrm>
+          <a:off x="0" y="0"/>
+          <a:ext cx="0" cy="0"/>
+          <a:chOff x="0" y="0"/>
+          <a:chExt cx="0" cy="0"/>
+        </a:xfrm>
+      </p:grpSpPr>
+      <p:sp>
+        <p:nvSpPr>
+          <p:cNvPr id="9" name="Textfeld 8">
+            <a:extLst>
+              <a:ext uri="{FF2B5EF4-FFF2-40B4-BE49-F238E27FC236}">
+                <a16:creationId xmlns:a16="http://schemas.microsoft.com/office/drawing/2014/main" id="{EC2DC11A-EDD2-DC40-B037-05A98FF9E71A}"/>
+              </a:ext>
+            </a:extLst>
+          </p:cNvPr>
+          <p:cNvSpPr txBox="1"/>
+          <p:nvPr/>
+        </p:nvSpPr>
+        <p:spPr>
+          <a:xfrm>
+            <a:off x="1305017" y="0"/>
+            <a:ext cx="10886983" cy="956442"/>
+          </a:xfrm>
+          <a:prstGeom prst="rect">
+            <a:avLst/>
+          </a:prstGeom>
+          <a:solidFill>
+            <a:srgbClr val="00B0F0">
+              <a:alpha val="19000"/>
+            </a:srgbClr>
+          </a:solidFill>
+        </p:spPr>
+        <p:txBody>
+          <a:bodyPr wrap="square" rtlCol="0">
+            <a:spAutoFit/>
+          </a:bodyPr>
+          <a:lstStyle/>
+          <a:p>
+            <a:endParaRPr lang="en-US" dirty="0"/>
+          </a:p>
+        </p:txBody>
+      </p:sp>
+      <p:sp>
+        <p:nvSpPr>
+          <p:cNvPr id="2" name="Textfeld 1">
+            <a:extLst>
+              <a:ext uri="{FF2B5EF4-FFF2-40B4-BE49-F238E27FC236}">
+                <a16:creationId xmlns:a16="http://schemas.microsoft.com/office/drawing/2014/main" id="{10021A84-057F-FC4E-B105-3EB83F3838E3}"/>
+              </a:ext>
+            </a:extLst>
+          </p:cNvPr>
+          <p:cNvSpPr txBox="1"/>
+          <p:nvPr/>
+        </p:nvSpPr>
+        <p:spPr>
+          <a:xfrm>
+            <a:off x="3457904" y="247388"/>
+            <a:ext cx="4582510" cy="461665"/>
+          </a:xfrm>
+          <a:prstGeom prst="rect">
+            <a:avLst/>
+          </a:prstGeom>
+          <a:noFill/>
+        </p:spPr>
+        <p:txBody>
+          <a:bodyPr wrap="square" rtlCol="0">
+            <a:spAutoFit/>
+          </a:bodyPr>
+          <a:lstStyle/>
+          <a:p>
+            <a:r>
+              <a:rPr lang="en-US" sz="2400" dirty="0">
+                <a:ln w="0"/>
+                <a:solidFill>
+                  <a:schemeClr val="accent1"/>
+                </a:solidFill>
+                <a:effectLst>
+                  <a:outerShdw blurRad="38100" dist="25400" dir="5400000" algn="ctr" rotWithShape="0">
+                    <a:srgbClr val="6E747A">
+                      <a:alpha val="43000"/>
+                    </a:srgbClr>
+                  </a:outerShdw>
+                </a:effectLst>
+              </a:rPr>
+              <a:t>Business Case: Recall vs. Precision</a:t>
+            </a:r>
+          </a:p>
+        </p:txBody>
+      </p:sp>
+      <p:sp>
+        <p:nvSpPr>
+          <p:cNvPr id="3" name="Richtungspfeil 2">
+            <a:extLst>
+              <a:ext uri="{FF2B5EF4-FFF2-40B4-BE49-F238E27FC236}">
+                <a16:creationId xmlns:a16="http://schemas.microsoft.com/office/drawing/2014/main" id="{2FBFA3E5-165A-DE4E-97F0-A616980F2084}"/>
+              </a:ext>
+            </a:extLst>
+          </p:cNvPr>
+          <p:cNvSpPr/>
+          <p:nvPr/>
+        </p:nvSpPr>
+        <p:spPr>
+          <a:xfrm>
+            <a:off x="0" y="0"/>
+            <a:ext cx="1755228" cy="956442"/>
+          </a:xfrm>
+          <a:prstGeom prst="homePlate">
+            <a:avLst/>
+          </a:prstGeom>
+        </p:spPr>
+        <p:style>
+          <a:lnRef idx="2">
+            <a:schemeClr val="accent1">
+              <a:shade val="50000"/>
+            </a:schemeClr>
+          </a:lnRef>
+          <a:fillRef idx="1">
+            <a:schemeClr val="accent1"/>
+          </a:fillRef>
+          <a:effectRef idx="0">
+            <a:schemeClr val="accent1"/>
+          </a:effectRef>
+          <a:fontRef idx="minor">
+            <a:schemeClr val="lt1"/>
+          </a:fontRef>
+        </p:style>
+        <p:txBody>
+          <a:bodyPr rtlCol="0" anchor="ctr"/>
+          <a:lstStyle/>
+          <a:p>
+            <a:pPr algn="ctr"/>
+            <a:r>
+              <a:rPr lang="en-US" dirty="0"/>
+              <a:t>Model Interpretation</a:t>
+            </a:r>
+          </a:p>
+        </p:txBody>
+      </p:sp>
+      <p:sp>
+        <p:nvSpPr>
+          <p:cNvPr id="11" name="Textfeld 10">
+            <a:extLst>
+              <a:ext uri="{FF2B5EF4-FFF2-40B4-BE49-F238E27FC236}">
+                <a16:creationId xmlns:a16="http://schemas.microsoft.com/office/drawing/2014/main" id="{4C67A3E1-F1F2-6E40-983D-C7FD92E256A0}"/>
+              </a:ext>
+            </a:extLst>
+          </p:cNvPr>
+          <p:cNvSpPr txBox="1"/>
+          <p:nvPr/>
+        </p:nvSpPr>
+        <p:spPr>
+          <a:xfrm>
+            <a:off x="0" y="1153777"/>
+            <a:ext cx="11844170" cy="369332"/>
+          </a:xfrm>
+          <a:prstGeom prst="rect">
+            <a:avLst/>
+          </a:prstGeom>
+          <a:noFill/>
+        </p:spPr>
+        <p:txBody>
+          <a:bodyPr wrap="square" rtlCol="0">
+            <a:spAutoFit/>
+          </a:bodyPr>
+          <a:lstStyle/>
+          <a:p>
+            <a:r>
+              <a:rPr lang="en-US" dirty="0"/>
+              <a:t>Looking at the confusion </a:t>
+            </a:r>
+            <a:r>
+              <a:rPr lang="en-US" dirty="0" err="1"/>
+              <a:t>matrizes</a:t>
+            </a:r>
+            <a:r>
+              <a:rPr lang="en-US" dirty="0"/>
+              <a:t> of our best models:</a:t>
+            </a:r>
+          </a:p>
+        </p:txBody>
+      </p:sp>
+      <p:pic>
+        <p:nvPicPr>
+          <p:cNvPr id="13" name="Grafik 12" descr="Ein Bild, das Screenshot enthält.&#10;&#10;Automatisch generierte Beschreibung">
+            <a:extLst>
+              <a:ext uri="{FF2B5EF4-FFF2-40B4-BE49-F238E27FC236}">
+                <a16:creationId xmlns:a16="http://schemas.microsoft.com/office/drawing/2014/main" id="{ABFDACBD-8253-C543-8CDE-14148975B6CF}"/>
+              </a:ext>
+            </a:extLst>
+          </p:cNvPr>
+          <p:cNvPicPr>
+            <a:picLocks noChangeAspect="1"/>
+          </p:cNvPicPr>
+          <p:nvPr/>
+        </p:nvPicPr>
+        <p:blipFill>
+          <a:blip r:embed="rId2"/>
+          <a:stretch>
+            <a:fillRect/>
+          </a:stretch>
+        </p:blipFill>
+        <p:spPr>
+          <a:xfrm>
+            <a:off x="167290" y="1833010"/>
+            <a:ext cx="7217578" cy="2665347"/>
+          </a:xfrm>
+          <a:prstGeom prst="rect">
+            <a:avLst/>
+          </a:prstGeom>
+        </p:spPr>
+      </p:pic>
+      <p:pic>
+        <p:nvPicPr>
+          <p:cNvPr id="15" name="Grafik 14" descr="Ein Bild, das Screenshot enthält.&#10;&#10;Automatisch generierte Beschreibung">
+            <a:extLst>
+              <a:ext uri="{FF2B5EF4-FFF2-40B4-BE49-F238E27FC236}">
+                <a16:creationId xmlns:a16="http://schemas.microsoft.com/office/drawing/2014/main" id="{72EBA943-4D29-B549-88EA-1BBCE06E589B}"/>
+              </a:ext>
+            </a:extLst>
+          </p:cNvPr>
+          <p:cNvPicPr>
+            <a:picLocks noChangeAspect="1"/>
+          </p:cNvPicPr>
+          <p:nvPr/>
+        </p:nvPicPr>
+        <p:blipFill>
+          <a:blip r:embed="rId3"/>
+          <a:stretch>
+            <a:fillRect/>
+          </a:stretch>
+        </p:blipFill>
+        <p:spPr>
+          <a:xfrm>
+            <a:off x="3544390" y="4808259"/>
+            <a:ext cx="8515030" cy="2079835"/>
+          </a:xfrm>
+          <a:prstGeom prst="rect">
+            <a:avLst/>
+          </a:prstGeom>
+        </p:spPr>
+      </p:pic>
+      <p:sp>
+        <p:nvSpPr>
+          <p:cNvPr id="16" name="Textfeld 15">
+            <a:extLst>
+              <a:ext uri="{FF2B5EF4-FFF2-40B4-BE49-F238E27FC236}">
+                <a16:creationId xmlns:a16="http://schemas.microsoft.com/office/drawing/2014/main" id="{4D4F908F-73C4-DC49-A1A8-F31A2F282737}"/>
+              </a:ext>
+            </a:extLst>
+          </p:cNvPr>
+          <p:cNvSpPr txBox="1"/>
+          <p:nvPr/>
+        </p:nvSpPr>
+        <p:spPr>
+          <a:xfrm>
+            <a:off x="5108310" y="4350622"/>
+            <a:ext cx="484094" cy="400110"/>
+          </a:xfrm>
+          <a:prstGeom prst="rect">
+            <a:avLst/>
+          </a:prstGeom>
+          <a:noFill/>
+        </p:spPr>
+        <p:txBody>
+          <a:bodyPr wrap="square" rtlCol="0">
+            <a:spAutoFit/>
+          </a:bodyPr>
+          <a:lstStyle/>
+          <a:p>
+            <a:r>
+              <a:rPr lang="en-US" sz="2000" dirty="0"/>
+              <a:t>vs.</a:t>
+            </a:r>
+          </a:p>
+        </p:txBody>
+      </p:sp>
+      <p:sp>
+        <p:nvSpPr>
+          <p:cNvPr id="17" name="Oval 16">
+            <a:extLst>
+              <a:ext uri="{FF2B5EF4-FFF2-40B4-BE49-F238E27FC236}">
+                <a16:creationId xmlns:a16="http://schemas.microsoft.com/office/drawing/2014/main" id="{89368C53-0DB7-EA44-A1F4-7A2EB8B9613E}"/>
+              </a:ext>
+            </a:extLst>
+          </p:cNvPr>
+          <p:cNvSpPr/>
+          <p:nvPr/>
+        </p:nvSpPr>
+        <p:spPr>
+          <a:xfrm>
+            <a:off x="915166" y="4160271"/>
+            <a:ext cx="840062" cy="338085"/>
+          </a:xfrm>
+          <a:prstGeom prst="ellipse">
+            <a:avLst/>
+          </a:prstGeom>
+          <a:solidFill>
+            <a:schemeClr val="bg1">
+              <a:alpha val="0"/>
+            </a:schemeClr>
+          </a:solidFill>
+          <a:ln w="19050">
+            <a:solidFill>
+              <a:schemeClr val="tx1"/>
+            </a:solidFill>
+          </a:ln>
+        </p:spPr>
+        <p:style>
+          <a:lnRef idx="2">
+            <a:schemeClr val="accent1">
+              <a:shade val="50000"/>
+            </a:schemeClr>
+          </a:lnRef>
+          <a:fillRef idx="1">
+            <a:schemeClr val="accent1"/>
+          </a:fillRef>
+          <a:effectRef idx="0">
+            <a:schemeClr val="accent1"/>
+          </a:effectRef>
+          <a:fontRef idx="minor">
+            <a:schemeClr val="lt1"/>
+          </a:fontRef>
+        </p:style>
+        <p:txBody>
+          <a:bodyPr rtlCol="0" anchor="ctr"/>
+          <a:lstStyle/>
+          <a:p>
+            <a:pPr algn="ctr"/>
+            <a:endParaRPr lang="en-US"/>
+          </a:p>
+        </p:txBody>
+      </p:sp>
+      <p:sp>
+        <p:nvSpPr>
+          <p:cNvPr id="18" name="Oval 17">
+            <a:extLst>
+              <a:ext uri="{FF2B5EF4-FFF2-40B4-BE49-F238E27FC236}">
+                <a16:creationId xmlns:a16="http://schemas.microsoft.com/office/drawing/2014/main" id="{A28B4986-FA44-8245-9EAE-C040602CE5DB}"/>
+              </a:ext>
+            </a:extLst>
+          </p:cNvPr>
+          <p:cNvSpPr/>
+          <p:nvPr/>
+        </p:nvSpPr>
+        <p:spPr>
+          <a:xfrm>
+            <a:off x="6757851" y="6406736"/>
+            <a:ext cx="627017" cy="272740"/>
+          </a:xfrm>
+          <a:prstGeom prst="ellipse">
+            <a:avLst/>
+          </a:prstGeom>
+          <a:solidFill>
+            <a:schemeClr val="bg1">
+              <a:alpha val="0"/>
+            </a:schemeClr>
+          </a:solidFill>
+          <a:ln w="19050">
+            <a:solidFill>
+              <a:schemeClr val="tx1"/>
+            </a:solidFill>
+          </a:ln>
+        </p:spPr>
+        <p:style>
+          <a:lnRef idx="2">
+            <a:schemeClr val="accent1">
+              <a:shade val="50000"/>
+            </a:schemeClr>
+          </a:lnRef>
+          <a:fillRef idx="1">
+            <a:schemeClr val="accent1"/>
+          </a:fillRef>
+          <a:effectRef idx="0">
+            <a:schemeClr val="accent1"/>
+          </a:effectRef>
+          <a:fontRef idx="minor">
+            <a:schemeClr val="lt1"/>
+          </a:fontRef>
+        </p:style>
+        <p:txBody>
+          <a:bodyPr rtlCol="0" anchor="ctr"/>
+          <a:lstStyle/>
+          <a:p>
+            <a:pPr algn="ctr"/>
+            <a:endParaRPr lang="en-US"/>
+          </a:p>
+        </p:txBody>
+      </p:sp>
+      <p:sp>
+        <p:nvSpPr>
+          <p:cNvPr id="19" name="Textfeld 18">
+            <a:extLst>
+              <a:ext uri="{FF2B5EF4-FFF2-40B4-BE49-F238E27FC236}">
+                <a16:creationId xmlns:a16="http://schemas.microsoft.com/office/drawing/2014/main" id="{75CB3FEB-1E60-EF46-925F-702925107A7C}"/>
+              </a:ext>
+            </a:extLst>
+          </p:cNvPr>
+          <p:cNvSpPr txBox="1"/>
+          <p:nvPr/>
+        </p:nvSpPr>
+        <p:spPr>
+          <a:xfrm>
+            <a:off x="3259567" y="620455"/>
+            <a:ext cx="4980168" cy="369332"/>
+          </a:xfrm>
+          <a:prstGeom prst="rect">
+            <a:avLst/>
+          </a:prstGeom>
+          <a:noFill/>
+        </p:spPr>
+        <p:txBody>
+          <a:bodyPr wrap="square" rtlCol="0">
+            <a:spAutoFit/>
+          </a:bodyPr>
+          <a:lstStyle/>
+          <a:p>
+            <a:r>
+              <a:rPr lang="en-US" i="1" dirty="0"/>
+              <a:t>What is the optimal metric to for our Business Case</a:t>
+            </a:r>
+          </a:p>
+        </p:txBody>
+      </p:sp>
+    </p:spTree>
+    <p:extLst>
+      <p:ext uri="{BB962C8B-B14F-4D97-AF65-F5344CB8AC3E}">
+        <p14:creationId xmlns:p14="http://schemas.microsoft.com/office/powerpoint/2010/main" val="314625478"/>
       </p:ext>
     </p:extLst>
   </p:cSld>
